--- a/Figures/figure_splam_input/figure_splam_input.pptx
+++ b/Figures/figure_splam_input/figure_splam_input.pptx
@@ -197,7 +197,7 @@
           <a:p>
             <a:fld id="{DEE34097-28C4-B046-83B1-0F941A2B62B2}" type="datetimeFigureOut">
               <a:rPr lang="en-US" smtClean="0"/>
-              <a:t>5/3/23</a:t>
+              <a:t>6/29/23</a:t>
             </a:fld>
             <a:endParaRPr lang="en-US"/>
           </a:p>
@@ -596,7 +596,7 @@
           <a:p>
             <a:fld id="{EB01C8D4-EBBE-DF44-8BBA-54ECEA52E7BA}" type="datetimeFigureOut">
               <a:rPr lang="en-US" smtClean="0"/>
-              <a:t>5/3/23</a:t>
+              <a:t>6/29/23</a:t>
             </a:fld>
             <a:endParaRPr lang="en-US"/>
           </a:p>
@@ -766,7 +766,7 @@
           <a:p>
             <a:fld id="{EB01C8D4-EBBE-DF44-8BBA-54ECEA52E7BA}" type="datetimeFigureOut">
               <a:rPr lang="en-US" smtClean="0"/>
-              <a:t>5/3/23</a:t>
+              <a:t>6/29/23</a:t>
             </a:fld>
             <a:endParaRPr lang="en-US"/>
           </a:p>
@@ -946,7 +946,7 @@
           <a:p>
             <a:fld id="{EB01C8D4-EBBE-DF44-8BBA-54ECEA52E7BA}" type="datetimeFigureOut">
               <a:rPr lang="en-US" smtClean="0"/>
-              <a:t>5/3/23</a:t>
+              <a:t>6/29/23</a:t>
             </a:fld>
             <a:endParaRPr lang="en-US"/>
           </a:p>
@@ -1116,7 +1116,7 @@
           <a:p>
             <a:fld id="{EB01C8D4-EBBE-DF44-8BBA-54ECEA52E7BA}" type="datetimeFigureOut">
               <a:rPr lang="en-US" smtClean="0"/>
-              <a:t>5/3/23</a:t>
+              <a:t>6/29/23</a:t>
             </a:fld>
             <a:endParaRPr lang="en-US"/>
           </a:p>
@@ -1362,7 +1362,7 @@
           <a:p>
             <a:fld id="{EB01C8D4-EBBE-DF44-8BBA-54ECEA52E7BA}" type="datetimeFigureOut">
               <a:rPr lang="en-US" smtClean="0"/>
-              <a:t>5/3/23</a:t>
+              <a:t>6/29/23</a:t>
             </a:fld>
             <a:endParaRPr lang="en-US"/>
           </a:p>
@@ -1594,7 +1594,7 @@
           <a:p>
             <a:fld id="{EB01C8D4-EBBE-DF44-8BBA-54ECEA52E7BA}" type="datetimeFigureOut">
               <a:rPr lang="en-US" smtClean="0"/>
-              <a:t>5/3/23</a:t>
+              <a:t>6/29/23</a:t>
             </a:fld>
             <a:endParaRPr lang="en-US"/>
           </a:p>
@@ -1961,7 +1961,7 @@
           <a:p>
             <a:fld id="{EB01C8D4-EBBE-DF44-8BBA-54ECEA52E7BA}" type="datetimeFigureOut">
               <a:rPr lang="en-US" smtClean="0"/>
-              <a:t>5/3/23</a:t>
+              <a:t>6/29/23</a:t>
             </a:fld>
             <a:endParaRPr lang="en-US"/>
           </a:p>
@@ -2079,7 +2079,7 @@
           <a:p>
             <a:fld id="{EB01C8D4-EBBE-DF44-8BBA-54ECEA52E7BA}" type="datetimeFigureOut">
               <a:rPr lang="en-US" smtClean="0"/>
-              <a:t>5/3/23</a:t>
+              <a:t>6/29/23</a:t>
             </a:fld>
             <a:endParaRPr lang="en-US"/>
           </a:p>
@@ -2174,7 +2174,7 @@
           <a:p>
             <a:fld id="{EB01C8D4-EBBE-DF44-8BBA-54ECEA52E7BA}" type="datetimeFigureOut">
               <a:rPr lang="en-US" smtClean="0"/>
-              <a:t>5/3/23</a:t>
+              <a:t>6/29/23</a:t>
             </a:fld>
             <a:endParaRPr lang="en-US"/>
           </a:p>
@@ -2451,7 +2451,7 @@
           <a:p>
             <a:fld id="{EB01C8D4-EBBE-DF44-8BBA-54ECEA52E7BA}" type="datetimeFigureOut">
               <a:rPr lang="en-US" smtClean="0"/>
-              <a:t>5/3/23</a:t>
+              <a:t>6/29/23</a:t>
             </a:fld>
             <a:endParaRPr lang="en-US"/>
           </a:p>
@@ -2708,7 +2708,7 @@
           <a:p>
             <a:fld id="{EB01C8D4-EBBE-DF44-8BBA-54ECEA52E7BA}" type="datetimeFigureOut">
               <a:rPr lang="en-US" smtClean="0"/>
-              <a:t>5/3/23</a:t>
+              <a:t>6/29/23</a:t>
             </a:fld>
             <a:endParaRPr lang="en-US"/>
           </a:p>
@@ -2921,7 +2921,7 @@
           <a:p>
             <a:fld id="{EB01C8D4-EBBE-DF44-8BBA-54ECEA52E7BA}" type="datetimeFigureOut">
               <a:rPr lang="en-US" smtClean="0"/>
-              <a:t>5/3/23</a:t>
+              <a:t>6/29/23</a:t>
             </a:fld>
             <a:endParaRPr lang="en-US"/>
           </a:p>
@@ -5467,8 +5467,8 @@
           <a:lstStyle/>
           <a:p>
             <a:r>
-              <a:rPr lang="en-US" sz="3200" b="1"/>
-              <a:t>SpliceAI-10k</a:t>
+              <a:rPr lang="en-US" sz="3200" b="1" dirty="0" err="1"/>
+              <a:t>SpliceAI</a:t>
             </a:r>
             <a:endParaRPr lang="en-US" sz="3200" b="1" dirty="0"/>
           </a:p>

--- a/Figures/figure_splam_input/figure_splam_input.pptx
+++ b/Figures/figure_splam_input/figure_splam_input.pptx
@@ -3326,6 +3326,66 @@
           <a:chExt cx="0" cy="0"/>
         </a:xfrm>
       </p:grpSpPr>
+      <p:pic>
+        <p:nvPicPr>
+          <p:cNvPr id="91" name="Picture 90" descr="A picture containing text, screenshot, diagram, plot&#10;&#10;Description automatically generated">
+            <a:extLst>
+              <a:ext uri="{FF2B5EF4-FFF2-40B4-BE49-F238E27FC236}">
+                <a16:creationId xmlns:a16="http://schemas.microsoft.com/office/drawing/2014/main" id="{5A302324-7658-02B0-0740-4AC156F1F9B1}"/>
+              </a:ext>
+            </a:extLst>
+          </p:cNvPr>
+          <p:cNvPicPr>
+            <a:picLocks noChangeAspect="1"/>
+          </p:cNvPicPr>
+          <p:nvPr/>
+        </p:nvPicPr>
+        <p:blipFill>
+          <a:blip r:embed="rId2"/>
+          <a:stretch>
+            <a:fillRect/>
+          </a:stretch>
+        </p:blipFill>
+        <p:spPr>
+          <a:xfrm>
+            <a:off x="24471837" y="8966611"/>
+            <a:ext cx="6651191" cy="4988393"/>
+          </a:xfrm>
+          <a:prstGeom prst="rect">
+            <a:avLst/>
+          </a:prstGeom>
+        </p:spPr>
+      </p:pic>
+      <p:pic>
+        <p:nvPicPr>
+          <p:cNvPr id="242" name="Picture 241" descr="A picture containing text, screenshot, diagram, number&#10;&#10;Description automatically generated">
+            <a:extLst>
+              <a:ext uri="{FF2B5EF4-FFF2-40B4-BE49-F238E27FC236}">
+                <a16:creationId xmlns:a16="http://schemas.microsoft.com/office/drawing/2014/main" id="{C3D610FB-F142-9593-CC7E-227A34B22761}"/>
+              </a:ext>
+            </a:extLst>
+          </p:cNvPr>
+          <p:cNvPicPr>
+            <a:picLocks noChangeAspect="1"/>
+          </p:cNvPicPr>
+          <p:nvPr/>
+        </p:nvPicPr>
+        <p:blipFill>
+          <a:blip r:embed="rId3"/>
+          <a:stretch>
+            <a:fillRect/>
+          </a:stretch>
+        </p:blipFill>
+        <p:spPr>
+          <a:xfrm>
+            <a:off x="18322384" y="8974950"/>
+            <a:ext cx="6651191" cy="4988393"/>
+          </a:xfrm>
+          <a:prstGeom prst="rect">
+            <a:avLst/>
+          </a:prstGeom>
+        </p:spPr>
+      </p:pic>
       <p:sp>
         <p:nvSpPr>
           <p:cNvPr id="268" name="Freeform 267">
@@ -19316,66 +19376,6 @@
           </a:fontRef>
         </p:style>
       </p:cxnSp>
-      <p:pic>
-        <p:nvPicPr>
-          <p:cNvPr id="257" name="Picture 256" descr="Chart, bar chart&#10;&#10;Description automatically generated">
-            <a:extLst>
-              <a:ext uri="{FF2B5EF4-FFF2-40B4-BE49-F238E27FC236}">
-                <a16:creationId xmlns:a16="http://schemas.microsoft.com/office/drawing/2014/main" id="{FF6F5887-C857-B1B2-2741-B21880110EF4}"/>
-              </a:ext>
-            </a:extLst>
-          </p:cNvPr>
-          <p:cNvPicPr>
-            <a:picLocks noChangeAspect="1"/>
-          </p:cNvPicPr>
-          <p:nvPr/>
-        </p:nvPicPr>
-        <p:blipFill>
-          <a:blip r:embed="rId2"/>
-          <a:stretch>
-            <a:fillRect/>
-          </a:stretch>
-        </p:blipFill>
-        <p:spPr>
-          <a:xfrm>
-            <a:off x="18325696" y="8952415"/>
-            <a:ext cx="6651202" cy="4988402"/>
-          </a:xfrm>
-          <a:prstGeom prst="rect">
-            <a:avLst/>
-          </a:prstGeom>
-        </p:spPr>
-      </p:pic>
-      <p:pic>
-        <p:nvPicPr>
-          <p:cNvPr id="259" name="Picture 258" descr="Chart, bar chart&#10;&#10;Description automatically generated">
-            <a:extLst>
-              <a:ext uri="{FF2B5EF4-FFF2-40B4-BE49-F238E27FC236}">
-                <a16:creationId xmlns:a16="http://schemas.microsoft.com/office/drawing/2014/main" id="{4259B9FF-B7BF-2EAD-8950-180716A73C37}"/>
-              </a:ext>
-            </a:extLst>
-          </p:cNvPr>
-          <p:cNvPicPr>
-            <a:picLocks noChangeAspect="1"/>
-          </p:cNvPicPr>
-          <p:nvPr/>
-        </p:nvPicPr>
-        <p:blipFill>
-          <a:blip r:embed="rId3"/>
-          <a:stretch>
-            <a:fillRect/>
-          </a:stretch>
-        </p:blipFill>
-        <p:spPr>
-          <a:xfrm>
-            <a:off x="24471839" y="8952413"/>
-            <a:ext cx="6651191" cy="4988393"/>
-          </a:xfrm>
-          <a:prstGeom prst="rect">
-            <a:avLst/>
-          </a:prstGeom>
-        </p:spPr>
-      </p:pic>
       <p:sp>
         <p:nvSpPr>
           <p:cNvPr id="2" name="TextBox 1">
